--- a/Lesson-8/ClassWork.pptx
+++ b/Lesson-8/ClassWork.pptx
@@ -5,20 +5,18 @@
     <p:sldMasterId id="2147483648" r:id="rId1"/>
   </p:sldMasterIdLst>
   <p:notesMasterIdLst>
-    <p:notesMasterId r:id="rId11"/>
+    <p:notesMasterId r:id="rId9"/>
   </p:notesMasterIdLst>
   <p:handoutMasterIdLst>
-    <p:handoutMasterId r:id="rId12"/>
+    <p:handoutMasterId r:id="rId10"/>
   </p:handoutMasterIdLst>
   <p:sldIdLst>
     <p:sldId id="257" r:id="rId3"/>
-    <p:sldId id="259" r:id="rId4"/>
-    <p:sldId id="269" r:id="rId5"/>
-    <p:sldId id="280" r:id="rId6"/>
-    <p:sldId id="281" r:id="rId7"/>
-    <p:sldId id="282" r:id="rId8"/>
-    <p:sldId id="283" r:id="rId9"/>
-    <p:sldId id="279" r:id="rId10"/>
+    <p:sldId id="269" r:id="rId4"/>
+    <p:sldId id="280" r:id="rId5"/>
+    <p:sldId id="281" r:id="rId6"/>
+    <p:sldId id="282" r:id="rId7"/>
+    <p:sldId id="279" r:id="rId8"/>
   </p:sldIdLst>
   <p:sldSz cx="12192000" cy="6858000"/>
   <p:notesSz cx="6858000" cy="9144000"/>
@@ -3949,22 +3947,23 @@
       </p:grpSpPr>
       <p:pic>
         <p:nvPicPr>
-          <p:cNvPr id="30" name="图片 29"/>
+          <p:cNvPr id="8" name="图片 7"/>
           <p:cNvPicPr>
             <a:picLocks noChangeAspect="1"/>
           </p:cNvPicPr>
           <p:nvPr/>
         </p:nvPicPr>
-        <p:blipFill>
+        <p:blipFill rotWithShape="1">
           <a:blip r:embed="rId1"/>
+          <a:srcRect l="54783"/>
           <a:stretch>
             <a:fillRect/>
           </a:stretch>
         </p:blipFill>
         <p:spPr>
-          <a:xfrm flipV="1">
-            <a:off x="2876409" y="4830936"/>
-            <a:ext cx="6661533" cy="151200"/>
+          <a:xfrm rot="5400000" flipH="1">
+            <a:off x="9377519" y="-261480"/>
+            <a:ext cx="2355628" cy="3273334"/>
           </a:xfrm>
           <a:prstGeom prst="rect">
             <a:avLst/>
@@ -3973,7 +3972,7 @@
       </p:pic>
       <p:pic>
         <p:nvPicPr>
-          <p:cNvPr id="31" name="图片 30"/>
+          <p:cNvPr id="4" name="Picture 3" descr="Screenshot 2025-11-21 at 10.53.30 AM"/>
           <p:cNvPicPr>
             <a:picLocks noChangeAspect="1"/>
           </p:cNvPicPr>
@@ -3987,84 +3986,17 @@
         </p:blipFill>
         <p:spPr>
           <a:xfrm>
-            <a:off x="3939935" y="879231"/>
-            <a:ext cx="4288296" cy="3628121"/>
+            <a:off x="8159750" y="1878330"/>
+            <a:ext cx="3048000" cy="1739900"/>
           </a:xfrm>
           <a:prstGeom prst="rect">
             <a:avLst/>
           </a:prstGeom>
         </p:spPr>
       </p:pic>
-      <p:sp>
-        <p:nvSpPr>
-          <p:cNvPr id="32" name="文本框 31"/>
-          <p:cNvSpPr txBox="1"/>
-          <p:nvPr/>
-        </p:nvSpPr>
-        <p:spPr>
-          <a:xfrm>
-            <a:off x="759688" y="5229056"/>
-            <a:ext cx="10952480" cy="953135"/>
-          </a:xfrm>
-          <a:prstGeom prst="rect">
-            <a:avLst/>
-          </a:prstGeom>
-          <a:noFill/>
-        </p:spPr>
-        <p:txBody>
-          <a:bodyPr wrap="none" rtlCol="0">
-            <a:spAutoFit/>
-          </a:bodyPr>
-          <a:lstStyle/>
-          <a:p>
-            <a:pPr algn="ctr"/>
-            <a:r>
-              <a:rPr lang="en-US" altLang="en-US" sz="2800" b="1" dirty="0">
-                <a:solidFill>
-                  <a:srgbClr val="030000"/>
-                </a:solidFill>
-                <a:latin typeface="Calibri" panose="020F0502020204030204" charset="0"/>
-                <a:ea typeface="Calibri" panose="020F0502020204030204" charset="0"/>
-                <a:cs typeface="Calibri" panose="020F0502020204030204" charset="0"/>
-              </a:rPr>
-              <a:t>Write a c# program to check the sum of the two given integers. </a:t>
-            </a:r>
-            <a:endParaRPr lang="en-US" altLang="en-US" sz="2800" b="1" dirty="0">
-              <a:solidFill>
-                <a:srgbClr val="030000"/>
-              </a:solidFill>
-              <a:latin typeface="Calibri" panose="020F0502020204030204" charset="0"/>
-              <a:ea typeface="Calibri" panose="020F0502020204030204" charset="0"/>
-              <a:cs typeface="Calibri" panose="020F0502020204030204" charset="0"/>
-            </a:endParaRPr>
-          </a:p>
-          <a:p>
-            <a:pPr algn="ctr"/>
-            <a:r>
-              <a:rPr lang="en-US" altLang="en-US" sz="2800" b="1" dirty="0">
-                <a:solidFill>
-                  <a:srgbClr val="030000"/>
-                </a:solidFill>
-                <a:latin typeface="Calibri" panose="020F0502020204030204" charset="0"/>
-                <a:ea typeface="Calibri" panose="020F0502020204030204" charset="0"/>
-                <a:cs typeface="Calibri" panose="020F0502020204030204" charset="0"/>
-              </a:rPr>
-              <a:t>Return true if one of the integers is 20 or if their sum is 20</a:t>
-            </a:r>
-            <a:endParaRPr lang="en-US" altLang="en-US" sz="2800" b="1" dirty="0">
-              <a:solidFill>
-                <a:srgbClr val="030000"/>
-              </a:solidFill>
-              <a:latin typeface="Calibri" panose="020F0502020204030204" charset="0"/>
-              <a:ea typeface="Calibri" panose="020F0502020204030204" charset="0"/>
-              <a:cs typeface="Calibri" panose="020F0502020204030204" charset="0"/>
-            </a:endParaRPr>
-          </a:p>
-        </p:txBody>
-      </p:sp>
       <p:pic>
         <p:nvPicPr>
-          <p:cNvPr id="33" name="图片 32"/>
+          <p:cNvPr id="5" name="Picture 4" descr="Screenshot 2025-11-21 at 10.54.43 AM"/>
           <p:cNvPicPr>
             <a:picLocks noChangeAspect="1"/>
           </p:cNvPicPr>
@@ -4078,19 +4010,117 @@
         </p:blipFill>
         <p:spPr>
           <a:xfrm>
-            <a:off x="2615483" y="157527"/>
-            <a:ext cx="7337410" cy="4610233"/>
+            <a:off x="593090" y="1613535"/>
+            <a:ext cx="7048500" cy="5130800"/>
           </a:xfrm>
           <a:prstGeom prst="rect">
             <a:avLst/>
           </a:prstGeom>
         </p:spPr>
       </p:pic>
+      <p:pic>
+        <p:nvPicPr>
+          <p:cNvPr id="6" name="Picture 5" descr="Screenshot 2025-11-21 at 10.55.06 AM"/>
+          <p:cNvPicPr>
+            <a:picLocks noChangeAspect="1"/>
+          </p:cNvPicPr>
+          <p:nvPr/>
+        </p:nvPicPr>
+        <p:blipFill>
+          <a:blip r:embed="rId4"/>
+          <a:stretch>
+            <a:fillRect/>
+          </a:stretch>
+        </p:blipFill>
+        <p:spPr>
+          <a:xfrm>
+            <a:off x="8159750" y="3889375"/>
+            <a:ext cx="3047365" cy="1881505"/>
+          </a:xfrm>
+          <a:prstGeom prst="rect">
+            <a:avLst/>
+          </a:prstGeom>
+        </p:spPr>
+      </p:pic>
+      <p:sp>
+        <p:nvSpPr>
+          <p:cNvPr id="32" name="文本框 31"/>
+          <p:cNvSpPr txBox="1"/>
+          <p:nvPr/>
+        </p:nvSpPr>
+        <p:spPr>
+          <a:xfrm>
+            <a:off x="255270" y="325755"/>
+            <a:ext cx="8506460" cy="706755"/>
+          </a:xfrm>
+          <a:prstGeom prst="rect">
+            <a:avLst/>
+          </a:prstGeom>
+          <a:noFill/>
+        </p:spPr>
+        <p:txBody>
+          <a:bodyPr wrap="square" rtlCol="0">
+            <a:spAutoFit/>
+          </a:bodyPr>
+          <a:lstStyle/>
+          <a:p>
+            <a:pPr algn="ctr"/>
+            <a:r>
+              <a:rPr lang="en-US" altLang="en-US" sz="2000" b="1" dirty="0">
+                <a:solidFill>
+                  <a:srgbClr val="030000"/>
+                </a:solidFill>
+                <a:latin typeface="Calibri" panose="020F0502020204030204" charset="0"/>
+                <a:ea typeface="Calibri" panose="020F0502020204030204" charset="0"/>
+                <a:cs typeface="Calibri" panose="020F0502020204030204" charset="0"/>
+              </a:rPr>
+              <a:t>Write a c# program to check the sum of the two given integers. </a:t>
+            </a:r>
+            <a:endParaRPr lang="en-US" altLang="en-US" sz="2000" b="1" dirty="0">
+              <a:solidFill>
+                <a:srgbClr val="030000"/>
+              </a:solidFill>
+              <a:latin typeface="Calibri" panose="020F0502020204030204" charset="0"/>
+              <a:ea typeface="Calibri" panose="020F0502020204030204" charset="0"/>
+              <a:cs typeface="Calibri" panose="020F0502020204030204" charset="0"/>
+            </a:endParaRPr>
+          </a:p>
+          <a:p>
+            <a:pPr algn="ctr"/>
+            <a:r>
+              <a:rPr lang="en-US" altLang="en-US" sz="2000" b="1" dirty="0">
+                <a:solidFill>
+                  <a:srgbClr val="030000"/>
+                </a:solidFill>
+                <a:latin typeface="Calibri" panose="020F0502020204030204" charset="0"/>
+                <a:ea typeface="Calibri" panose="020F0502020204030204" charset="0"/>
+                <a:cs typeface="Calibri" panose="020F0502020204030204" charset="0"/>
+              </a:rPr>
+              <a:t>Return true if one of the integers is 20 or if their sum is 20</a:t>
+            </a:r>
+            <a:endParaRPr lang="en-US" altLang="en-US" sz="2000" b="1" dirty="0">
+              <a:solidFill>
+                <a:srgbClr val="030000"/>
+              </a:solidFill>
+              <a:latin typeface="Calibri" panose="020F0502020204030204" charset="0"/>
+              <a:ea typeface="Calibri" panose="020F0502020204030204" charset="0"/>
+              <a:cs typeface="Calibri" panose="020F0502020204030204" charset="0"/>
+            </a:endParaRPr>
+          </a:p>
+        </p:txBody>
+      </p:sp>
     </p:spTree>
   </p:cSld>
   <p:clrMapOvr>
     <a:masterClrMapping/>
   </p:clrMapOvr>
+  <p:timing>
+    <p:tnLst>
+      <p:par>
+        <p:cTn id="1" dur="indefinite" restart="never" nodeType="tmRoot"/>
+      </p:par>
+    </p:tnLst>
+  </p:timing>
 </p:sld>
 </file>
 
@@ -4103,14 +4133,7 @@
         <p:cNvGrpSpPr/>
         <p:nvPr/>
       </p:nvGrpSpPr>
-      <p:grpSpPr>
-        <a:xfrm>
-          <a:off x="0" y="0"/>
-          <a:ext cx="0" cy="0"/>
-          <a:chOff x="0" y="0"/>
-          <a:chExt cx="0" cy="0"/>
-        </a:xfrm>
-      </p:grpSpPr>
+      <p:grpSpPr/>
       <p:pic>
         <p:nvPicPr>
           <p:cNvPr id="8" name="图片 7"/>
@@ -4138,7 +4161,7 @@
       </p:pic>
       <p:pic>
         <p:nvPicPr>
-          <p:cNvPr id="4" name="Picture 3" descr="Screenshot 2025-11-21 at 10.53.30 AM"/>
+          <p:cNvPr id="2" name="Picture 1" descr="Screenshot 2025-11-21 at 10.58.50 AM"/>
           <p:cNvPicPr>
             <a:picLocks noChangeAspect="1"/>
           </p:cNvPicPr>
@@ -4152,17 +4175,62 @@
         </p:blipFill>
         <p:spPr>
           <a:xfrm>
-            <a:off x="8159750" y="1878330"/>
-            <a:ext cx="3048000" cy="1739900"/>
+            <a:off x="701675" y="1722120"/>
+            <a:ext cx="5918200" cy="2794000"/>
           </a:xfrm>
           <a:prstGeom prst="rect">
             <a:avLst/>
           </a:prstGeom>
         </p:spPr>
       </p:pic>
+      <p:sp>
+        <p:nvSpPr>
+          <p:cNvPr id="32" name="文本框 31"/>
+          <p:cNvSpPr txBox="1"/>
+          <p:nvPr/>
+        </p:nvSpPr>
+        <p:spPr>
+          <a:xfrm>
+            <a:off x="255270" y="325755"/>
+            <a:ext cx="8506460" cy="398780"/>
+          </a:xfrm>
+          <a:prstGeom prst="rect">
+            <a:avLst/>
+          </a:prstGeom>
+          <a:noFill/>
+        </p:spPr>
+        <p:txBody>
+          <a:bodyPr wrap="square" rtlCol="0">
+            <a:spAutoFit/>
+          </a:bodyPr>
+          <a:lstStyle/>
+          <a:p>
+            <a:pPr algn="ctr"/>
+            <a:r>
+              <a:rPr lang="en-US" altLang="en-US" sz="2000" b="1" dirty="0">
+                <a:solidFill>
+                  <a:srgbClr val="030000"/>
+                </a:solidFill>
+                <a:latin typeface="Calibri" panose="020F0502020204030204" charset="0"/>
+                <a:ea typeface="Calibri" panose="020F0502020204030204" charset="0"/>
+                <a:cs typeface="Calibri" panose="020F0502020204030204" charset="0"/>
+              </a:rPr>
+              <a:t>Converting given string into a lower case</a:t>
+            </a:r>
+            <a:endParaRPr lang="en-US" altLang="en-US" sz="2000" b="1" dirty="0">
+              <a:solidFill>
+                <a:srgbClr val="030000"/>
+              </a:solidFill>
+              <a:latin typeface="Calibri" panose="020F0502020204030204" charset="0"/>
+              <a:ea typeface="Calibri" panose="020F0502020204030204" charset="0"/>
+              <a:cs typeface="Calibri" panose="020F0502020204030204" charset="0"/>
+            </a:endParaRPr>
+          </a:p>
+        </p:txBody>
+      </p:sp>
       <p:pic>
         <p:nvPicPr>
-          <p:cNvPr id="5" name="Picture 4" descr="Screenshot 2025-11-21 at 10.54.43 AM"/>
+          <p:cNvPr id="3" name="Picture 2" descr="Screenshot 2025-11-21 at 10.59.29 AM"/>
           <p:cNvPicPr>
             <a:picLocks noChangeAspect="1"/>
           </p:cNvPicPr>
@@ -4176,32 +4244,8 @@
         </p:blipFill>
         <p:spPr>
           <a:xfrm>
-            <a:off x="508000" y="426720"/>
-            <a:ext cx="7048500" cy="5130800"/>
-          </a:xfrm>
-          <a:prstGeom prst="rect">
-            <a:avLst/>
-          </a:prstGeom>
-        </p:spPr>
-      </p:pic>
-      <p:pic>
-        <p:nvPicPr>
-          <p:cNvPr id="6" name="Picture 5" descr="Screenshot 2025-11-21 at 10.55.06 AM"/>
-          <p:cNvPicPr>
-            <a:picLocks noChangeAspect="1"/>
-          </p:cNvPicPr>
-          <p:nvPr/>
-        </p:nvPicPr>
-        <p:blipFill>
-          <a:blip r:embed="rId4"/>
-          <a:stretch>
-            <a:fillRect/>
-          </a:stretch>
-        </p:blipFill>
-        <p:spPr>
-          <a:xfrm>
-            <a:off x="8159750" y="3889375"/>
-            <a:ext cx="3047365" cy="1881505"/>
+            <a:off x="6513195" y="4651375"/>
+            <a:ext cx="4927600" cy="1765300"/>
           </a:xfrm>
           <a:prstGeom prst="rect">
             <a:avLst/>
@@ -4213,13 +4257,6 @@
   <p:clrMapOvr>
     <a:masterClrMapping/>
   </p:clrMapOvr>
-  <p:timing>
-    <p:tnLst>
-      <p:par>
-        <p:cTn id="1" dur="indefinite" restart="never" nodeType="tmRoot"/>
-      </p:par>
-    </p:tnLst>
-  </p:timing>
 </p:sld>
 </file>
 
@@ -4258,6 +4295,99 @@
           </a:prstGeom>
         </p:spPr>
       </p:pic>
+      <p:pic>
+        <p:nvPicPr>
+          <p:cNvPr id="2" name="Picture 1" descr="Screenshot 2025-11-21 at 11.09.40 AM"/>
+          <p:cNvPicPr>
+            <a:picLocks noChangeAspect="1"/>
+          </p:cNvPicPr>
+          <p:nvPr/>
+        </p:nvPicPr>
+        <p:blipFill>
+          <a:blip r:embed="rId2"/>
+          <a:stretch>
+            <a:fillRect/>
+          </a:stretch>
+        </p:blipFill>
+        <p:spPr>
+          <a:xfrm>
+            <a:off x="205740" y="2552700"/>
+            <a:ext cx="9639300" cy="1536700"/>
+          </a:xfrm>
+          <a:prstGeom prst="rect">
+            <a:avLst/>
+          </a:prstGeom>
+        </p:spPr>
+      </p:pic>
+      <p:pic>
+        <p:nvPicPr>
+          <p:cNvPr id="3" name="Picture 2" descr="Screenshot 2025-11-21 at 11.10.03 AM"/>
+          <p:cNvPicPr>
+            <a:picLocks noChangeAspect="1"/>
+          </p:cNvPicPr>
+          <p:nvPr/>
+        </p:nvPicPr>
+        <p:blipFill>
+          <a:blip r:embed="rId3"/>
+          <a:stretch>
+            <a:fillRect/>
+          </a:stretch>
+        </p:blipFill>
+        <p:spPr>
+          <a:xfrm>
+            <a:off x="9845040" y="861060"/>
+            <a:ext cx="774700" cy="5791200"/>
+          </a:xfrm>
+          <a:prstGeom prst="rect">
+            <a:avLst/>
+          </a:prstGeom>
+        </p:spPr>
+      </p:pic>
+      <p:sp>
+        <p:nvSpPr>
+          <p:cNvPr id="32" name="文本框 31"/>
+          <p:cNvSpPr txBox="1"/>
+          <p:nvPr/>
+        </p:nvSpPr>
+        <p:spPr>
+          <a:xfrm>
+            <a:off x="255270" y="325755"/>
+            <a:ext cx="8506460" cy="398780"/>
+          </a:xfrm>
+          <a:prstGeom prst="rect">
+            <a:avLst/>
+          </a:prstGeom>
+          <a:noFill/>
+        </p:spPr>
+        <p:txBody>
+          <a:bodyPr wrap="square" rtlCol="0">
+            <a:spAutoFit/>
+          </a:bodyPr>
+          <a:lstStyle/>
+          <a:p>
+            <a:pPr algn="ctr"/>
+            <a:r>
+              <a:rPr lang="en-US" altLang="en-US" sz="2000" b="1" dirty="0">
+                <a:solidFill>
+                  <a:srgbClr val="030000"/>
+                </a:solidFill>
+                <a:latin typeface="Calibri" panose="020F0502020204030204" charset="0"/>
+                <a:ea typeface="Calibri" panose="020F0502020204030204" charset="0"/>
+                <a:cs typeface="Calibri" panose="020F0502020204030204" charset="0"/>
+              </a:rPr>
+              <a:t>Print odd number from 1 to 99</a:t>
+            </a:r>
+            <a:endParaRPr lang="en-US" altLang="en-US" sz="2000" b="1" dirty="0">
+              <a:solidFill>
+                <a:srgbClr val="030000"/>
+              </a:solidFill>
+              <a:latin typeface="Calibri" panose="020F0502020204030204" charset="0"/>
+              <a:ea typeface="Calibri" panose="020F0502020204030204" charset="0"/>
+              <a:cs typeface="Calibri" panose="020F0502020204030204" charset="0"/>
+            </a:endParaRPr>
+          </a:p>
+        </p:txBody>
+      </p:sp>
     </p:spTree>
   </p:cSld>
   <p:clrMapOvr>
@@ -4301,6 +4431,54 @@
           </a:prstGeom>
         </p:spPr>
       </p:pic>
+      <p:pic>
+        <p:nvPicPr>
+          <p:cNvPr id="2" name="Picture 1" descr="Screenshot 2025-11-21 at 11.25.24 AM"/>
+          <p:cNvPicPr>
+            <a:picLocks noChangeAspect="1"/>
+          </p:cNvPicPr>
+          <p:nvPr/>
+        </p:nvPicPr>
+        <p:blipFill>
+          <a:blip r:embed="rId2"/>
+          <a:stretch>
+            <a:fillRect/>
+          </a:stretch>
+        </p:blipFill>
+        <p:spPr>
+          <a:xfrm>
+            <a:off x="448310" y="389890"/>
+            <a:ext cx="5613400" cy="6273800"/>
+          </a:xfrm>
+          <a:prstGeom prst="rect">
+            <a:avLst/>
+          </a:prstGeom>
+        </p:spPr>
+      </p:pic>
+      <p:pic>
+        <p:nvPicPr>
+          <p:cNvPr id="3" name="Picture 2" descr="Screenshot 2025-11-21 at 11.25.31 AM"/>
+          <p:cNvPicPr>
+            <a:picLocks noChangeAspect="1"/>
+          </p:cNvPicPr>
+          <p:nvPr/>
+        </p:nvPicPr>
+        <p:blipFill>
+          <a:blip r:embed="rId3"/>
+          <a:stretch>
+            <a:fillRect/>
+          </a:stretch>
+        </p:blipFill>
+        <p:spPr>
+          <a:xfrm>
+            <a:off x="7120890" y="2302510"/>
+            <a:ext cx="2197100" cy="1765300"/>
+          </a:xfrm>
+          <a:prstGeom prst="rect">
+            <a:avLst/>
+          </a:prstGeom>
+        </p:spPr>
+      </p:pic>
     </p:spTree>
   </p:cSld>
   <p:clrMapOvr>
@@ -4310,92 +4488,6 @@
 </file>
 
 <file path=ppt/slides/slide6.xml><?xml version="1.0" encoding="utf-8"?>
-<p:sld xmlns:a="http://schemas.openxmlformats.org/drawingml/2006/main" xmlns:r="http://schemas.openxmlformats.org/officeDocument/2006/relationships" xmlns:p="http://schemas.openxmlformats.org/presentationml/2006/main">
-  <p:cSld>
-    <p:spTree>
-      <p:nvGrpSpPr>
-        <p:cNvPr id="1" name=""/>
-        <p:cNvGrpSpPr/>
-        <p:nvPr/>
-      </p:nvGrpSpPr>
-      <p:grpSpPr/>
-      <p:pic>
-        <p:nvPicPr>
-          <p:cNvPr id="8" name="图片 7"/>
-          <p:cNvPicPr>
-            <a:picLocks noChangeAspect="1"/>
-          </p:cNvPicPr>
-          <p:nvPr/>
-        </p:nvPicPr>
-        <p:blipFill rotWithShape="1">
-          <a:blip r:embed="rId1"/>
-          <a:srcRect l="54783"/>
-          <a:stretch>
-            <a:fillRect/>
-          </a:stretch>
-        </p:blipFill>
-        <p:spPr>
-          <a:xfrm rot="5400000" flipH="1">
-            <a:off x="9377519" y="-261480"/>
-            <a:ext cx="2355628" cy="3273334"/>
-          </a:xfrm>
-          <a:prstGeom prst="rect">
-            <a:avLst/>
-          </a:prstGeom>
-        </p:spPr>
-      </p:pic>
-    </p:spTree>
-  </p:cSld>
-  <p:clrMapOvr>
-    <a:masterClrMapping/>
-  </p:clrMapOvr>
-</p:sld>
-</file>
-
-<file path=ppt/slides/slide7.xml><?xml version="1.0" encoding="utf-8"?>
-<p:sld xmlns:a="http://schemas.openxmlformats.org/drawingml/2006/main" xmlns:r="http://schemas.openxmlformats.org/officeDocument/2006/relationships" xmlns:p="http://schemas.openxmlformats.org/presentationml/2006/main">
-  <p:cSld>
-    <p:spTree>
-      <p:nvGrpSpPr>
-        <p:cNvPr id="1" name=""/>
-        <p:cNvGrpSpPr/>
-        <p:nvPr/>
-      </p:nvGrpSpPr>
-      <p:grpSpPr/>
-      <p:pic>
-        <p:nvPicPr>
-          <p:cNvPr id="8" name="图片 7"/>
-          <p:cNvPicPr>
-            <a:picLocks noChangeAspect="1"/>
-          </p:cNvPicPr>
-          <p:nvPr/>
-        </p:nvPicPr>
-        <p:blipFill rotWithShape="1">
-          <a:blip r:embed="rId1"/>
-          <a:srcRect l="54783"/>
-          <a:stretch>
-            <a:fillRect/>
-          </a:stretch>
-        </p:blipFill>
-        <p:spPr>
-          <a:xfrm rot="5400000" flipH="1">
-            <a:off x="9377519" y="-261480"/>
-            <a:ext cx="2355628" cy="3273334"/>
-          </a:xfrm>
-          <a:prstGeom prst="rect">
-            <a:avLst/>
-          </a:prstGeom>
-        </p:spPr>
-      </p:pic>
-    </p:spTree>
-  </p:cSld>
-  <p:clrMapOvr>
-    <a:masterClrMapping/>
-  </p:clrMapOvr>
-</p:sld>
-</file>
-
-<file path=ppt/slides/slide8.xml><?xml version="1.0" encoding="utf-8"?>
 <p:sld xmlns:a="http://schemas.openxmlformats.org/drawingml/2006/main" xmlns:r="http://schemas.openxmlformats.org/officeDocument/2006/relationships" xmlns:p="http://schemas.openxmlformats.org/presentationml/2006/main">
   <p:cSld>
     <p:spTree>
